--- a/Week_01/作业03.pptx
+++ b/Week_01/作业03.pptx
@@ -6,7 +6,9 @@
   </p:sldMasterIdLst>
   <p:sldIdLst>
     <p:sldId id="256" r:id="rId2"/>
-    <p:sldId id="257" r:id="rId3"/>
+    <p:sldId id="258" r:id="rId3"/>
+    <p:sldId id="259" r:id="rId4"/>
+    <p:sldId id="260" r:id="rId5"/>
   </p:sldIdLst>
   <p:sldSz cx="12192000" cy="6858000"/>
   <p:notesSz cx="6858000" cy="9144000"/>
@@ -2980,37 +2982,34 @@
             <p:ph type="ctrTitle"/>
           </p:nvPr>
         </p:nvSpPr>
-        <p:spPr/>
-        <p:txBody>
-          <a:bodyPr/>
-          <a:lstStyle/>
-          <a:p>
-            <a:endParaRPr lang="zh-CN" altLang="en-US"/>
-          </a:p>
-        </p:txBody>
-      </p:sp>
-      <p:sp>
-        <p:nvSpPr>
-          <p:cNvPr id="3" name="副标题 2"/>
-          <p:cNvSpPr>
-            <a:spLocks noGrp="1"/>
-          </p:cNvSpPr>
-          <p:nvPr>
-            <p:ph type="subTitle" idx="1"/>
-          </p:nvPr>
-        </p:nvSpPr>
-        <p:spPr/>
-        <p:txBody>
-          <a:bodyPr/>
-          <a:lstStyle/>
-          <a:p>
-            <a:endParaRPr lang="zh-CN" altLang="en-US"/>
+        <p:spPr>
+          <a:xfrm>
+            <a:off x="1524000" y="1122364"/>
+            <a:ext cx="9144000" cy="420110"/>
+          </a:xfrm>
+        </p:spPr>
+        <p:txBody>
+          <a:bodyPr>
+            <a:normAutofit fontScale="90000"/>
+          </a:bodyPr>
+          <a:lstStyle/>
+          <a:p>
+            <a:pPr algn="l"/>
+            <a:r>
+              <a:rPr lang="en-US" altLang="zh-CN" sz="2400" b="1" dirty="0" err="1" smtClean="0"/>
+              <a:t>Xmx,Xms,Xmn</a:t>
+            </a:r>
+            <a:r>
+              <a:rPr lang="zh-CN" altLang="en-US" sz="2400" b="1" dirty="0" smtClean="0"/>
+              <a:t>的区别</a:t>
+            </a:r>
+            <a:endParaRPr lang="zh-CN" altLang="en-US" sz="2400" b="1" dirty="0"/>
           </a:p>
         </p:txBody>
       </p:sp>
       <p:pic>
         <p:nvPicPr>
-          <p:cNvPr id="4" name="图片 3"/>
+          <p:cNvPr id="6" name="图片 5"/>
           <p:cNvPicPr>
             <a:picLocks noChangeAspect="1"/>
           </p:cNvPicPr>
@@ -3024,8 +3023,8 @@
         </p:blipFill>
         <p:spPr>
           <a:xfrm>
-            <a:off x="1524000" y="1122363"/>
-            <a:ext cx="7708696" cy="5283710"/>
+            <a:off x="1524000" y="1802877"/>
+            <a:ext cx="7826418" cy="4046571"/>
           </a:xfrm>
           <a:prstGeom prst="rect">
             <a:avLst/>
@@ -3069,54 +3068,204 @@
             <a:spLocks noGrp="1"/>
           </p:cNvSpPr>
           <p:nvPr>
-            <p:ph type="title"/>
-          </p:nvPr>
-        </p:nvSpPr>
-        <p:spPr/>
+            <p:ph type="ctrTitle"/>
+          </p:nvPr>
+        </p:nvSpPr>
+        <p:spPr>
+          <a:xfrm>
+            <a:off x="1524000" y="1122364"/>
+            <a:ext cx="9144000" cy="420110"/>
+          </a:xfrm>
+        </p:spPr>
         <p:txBody>
           <a:bodyPr>
             <a:normAutofit fontScale="90000"/>
           </a:bodyPr>
           <a:lstStyle/>
           <a:p>
-            <a:r>
-              <a:rPr lang="zh-CN" altLang="en-US" dirty="0"/>
-              <a:t>画一张图，展示</a:t>
-            </a:r>
-            <a:r>
-              <a:rPr lang="en-US" altLang="zh-CN" dirty="0" err="1"/>
-              <a:t>Xmx,Xms,Xmn,Meta,DirectMemory,Xss</a:t>
-            </a:r>
-            <a:r>
-              <a:rPr lang="zh-CN" altLang="en-US" dirty="0"/>
-              <a:t>这些内存参数的关系；</a:t>
-            </a:r>
-          </a:p>
-        </p:txBody>
-      </p:sp>
-      <p:sp>
-        <p:nvSpPr>
-          <p:cNvPr id="3" name="内容占位符 2"/>
-          <p:cNvSpPr>
-            <a:spLocks noGrp="1"/>
-          </p:cNvSpPr>
-          <p:nvPr>
-            <p:ph idx="1"/>
-          </p:nvPr>
-        </p:nvSpPr>
-        <p:spPr/>
-        <p:txBody>
-          <a:bodyPr/>
-          <a:lstStyle/>
-          <a:p>
-            <a:endParaRPr lang="zh-CN" altLang="en-US"/>
-          </a:p>
-        </p:txBody>
-      </p:sp>
+            <a:pPr algn="l"/>
+            <a:r>
+              <a:rPr lang="en-US" altLang="zh-CN" sz="2400" dirty="0" err="1"/>
+              <a:t>Xss</a:t>
+            </a:r>
+            <a:endParaRPr lang="zh-CN" altLang="en-US" sz="2400" b="1" dirty="0"/>
+          </a:p>
+        </p:txBody>
+      </p:sp>
+      <p:pic>
+        <p:nvPicPr>
+          <p:cNvPr id="3" name="图片 2"/>
+          <p:cNvPicPr>
+            <a:picLocks noChangeAspect="1"/>
+          </p:cNvPicPr>
+          <p:nvPr/>
+        </p:nvPicPr>
+        <p:blipFill>
+          <a:blip r:embed="rId2"/>
+          <a:stretch>
+            <a:fillRect/>
+          </a:stretch>
+        </p:blipFill>
+        <p:spPr>
+          <a:xfrm>
+            <a:off x="1524000" y="1740997"/>
+            <a:ext cx="7818798" cy="3985605"/>
+          </a:xfrm>
+          <a:prstGeom prst="rect">
+            <a:avLst/>
+          </a:prstGeom>
+        </p:spPr>
+      </p:pic>
     </p:spTree>
     <p:extLst>
       <p:ext uri="{BB962C8B-B14F-4D97-AF65-F5344CB8AC3E}">
-        <p14:creationId xmlns:p14="http://schemas.microsoft.com/office/powerpoint/2010/main" val="4273964986"/>
+        <p14:creationId xmlns:p14="http://schemas.microsoft.com/office/powerpoint/2010/main" val="1789701068"/>
+      </p:ext>
+    </p:extLst>
+  </p:cSld>
+  <p:clrMapOvr>
+    <a:masterClrMapping/>
+  </p:clrMapOvr>
+</p:sld>
+</file>
+
+<file path=ppt/slides/slide3.xml><?xml version="1.0" encoding="utf-8"?>
+<p:sld xmlns:a="http://schemas.openxmlformats.org/drawingml/2006/main" xmlns:r="http://schemas.openxmlformats.org/officeDocument/2006/relationships" xmlns:p="http://schemas.openxmlformats.org/presentationml/2006/main">
+  <p:cSld>
+    <p:spTree>
+      <p:nvGrpSpPr>
+        <p:cNvPr id="1" name=""/>
+        <p:cNvGrpSpPr/>
+        <p:nvPr/>
+      </p:nvGrpSpPr>
+      <p:grpSpPr>
+        <a:xfrm>
+          <a:off x="0" y="0"/>
+          <a:ext cx="0" cy="0"/>
+          <a:chOff x="0" y="0"/>
+          <a:chExt cx="0" cy="0"/>
+        </a:xfrm>
+      </p:grpSpPr>
+      <p:sp>
+        <p:nvSpPr>
+          <p:cNvPr id="2" name="标题 1"/>
+          <p:cNvSpPr>
+            <a:spLocks noGrp="1"/>
+          </p:cNvSpPr>
+          <p:nvPr>
+            <p:ph type="ctrTitle"/>
+          </p:nvPr>
+        </p:nvSpPr>
+        <p:spPr>
+          <a:xfrm>
+            <a:off x="1524000" y="1122364"/>
+            <a:ext cx="9144000" cy="420110"/>
+          </a:xfrm>
+        </p:spPr>
+        <p:txBody>
+          <a:bodyPr>
+            <a:normAutofit fontScale="90000"/>
+          </a:bodyPr>
+          <a:lstStyle/>
+          <a:p>
+            <a:pPr algn="l"/>
+            <a:r>
+              <a:rPr lang="en-US" altLang="zh-CN" sz="2400" dirty="0"/>
+              <a:t>Meta</a:t>
+            </a:r>
+            <a:endParaRPr lang="zh-CN" altLang="en-US" sz="2400" b="1" dirty="0"/>
+          </a:p>
+        </p:txBody>
+      </p:sp>
+      <p:pic>
+        <p:nvPicPr>
+          <p:cNvPr id="4" name="图片 3"/>
+          <p:cNvPicPr>
+            <a:picLocks noChangeAspect="1"/>
+          </p:cNvPicPr>
+          <p:nvPr/>
+        </p:nvPicPr>
+        <p:blipFill>
+          <a:blip r:embed="rId2"/>
+          <a:stretch>
+            <a:fillRect/>
+          </a:stretch>
+        </p:blipFill>
+        <p:spPr>
+          <a:xfrm>
+            <a:off x="1524000" y="1742034"/>
+            <a:ext cx="7834039" cy="4038950"/>
+          </a:xfrm>
+          <a:prstGeom prst="rect">
+            <a:avLst/>
+          </a:prstGeom>
+        </p:spPr>
+      </p:pic>
+    </p:spTree>
+    <p:extLst>
+      <p:ext uri="{BB962C8B-B14F-4D97-AF65-F5344CB8AC3E}">
+        <p14:creationId xmlns:p14="http://schemas.microsoft.com/office/powerpoint/2010/main" val="503022786"/>
+      </p:ext>
+    </p:extLst>
+  </p:cSld>
+  <p:clrMapOvr>
+    <a:masterClrMapping/>
+  </p:clrMapOvr>
+</p:sld>
+</file>
+
+<file path=ppt/slides/slide4.xml><?xml version="1.0" encoding="utf-8"?>
+<p:sld xmlns:a="http://schemas.openxmlformats.org/drawingml/2006/main" xmlns:r="http://schemas.openxmlformats.org/officeDocument/2006/relationships" xmlns:p="http://schemas.openxmlformats.org/presentationml/2006/main">
+  <p:cSld>
+    <p:spTree>
+      <p:nvGrpSpPr>
+        <p:cNvPr id="1" name=""/>
+        <p:cNvGrpSpPr/>
+        <p:nvPr/>
+      </p:nvGrpSpPr>
+      <p:grpSpPr>
+        <a:xfrm>
+          <a:off x="0" y="0"/>
+          <a:ext cx="0" cy="0"/>
+          <a:chOff x="0" y="0"/>
+          <a:chExt cx="0" cy="0"/>
+        </a:xfrm>
+      </p:grpSpPr>
+      <p:sp>
+        <p:nvSpPr>
+          <p:cNvPr id="2" name="标题 1"/>
+          <p:cNvSpPr>
+            <a:spLocks noGrp="1"/>
+          </p:cNvSpPr>
+          <p:nvPr>
+            <p:ph type="ctrTitle"/>
+          </p:nvPr>
+        </p:nvSpPr>
+        <p:spPr>
+          <a:xfrm>
+            <a:off x="1524000" y="1122364"/>
+            <a:ext cx="9144000" cy="420110"/>
+          </a:xfrm>
+        </p:spPr>
+        <p:txBody>
+          <a:bodyPr>
+            <a:normAutofit fontScale="90000"/>
+          </a:bodyPr>
+          <a:lstStyle/>
+          <a:p>
+            <a:pPr algn="l"/>
+            <a:r>
+              <a:rPr lang="en-US" altLang="zh-CN" sz="2400" dirty="0" err="1"/>
+              <a:t>DirectMemory</a:t>
+            </a:r>
+            <a:endParaRPr lang="zh-CN" altLang="en-US" sz="2400" b="1" dirty="0"/>
+          </a:p>
+        </p:txBody>
+      </p:sp>
+    </p:spTree>
+    <p:extLst>
+      <p:ext uri="{BB962C8B-B14F-4D97-AF65-F5344CB8AC3E}">
+        <p14:creationId xmlns:p14="http://schemas.microsoft.com/office/powerpoint/2010/main" val="3726373872"/>
       </p:ext>
     </p:extLst>
   </p:cSld>

--- a/Week_01/作业03.pptx
+++ b/Week_01/作业03.pptx
@@ -3255,8 +3255,16 @@
           <a:p>
             <a:pPr algn="l"/>
             <a:r>
-              <a:rPr lang="en-US" altLang="zh-CN" sz="2400" dirty="0" err="1"/>
+              <a:rPr lang="en-US" altLang="zh-CN" sz="2400" dirty="0" err="1" smtClean="0"/>
               <a:t>DirectMemory</a:t>
+            </a:r>
+            <a:r>
+              <a:rPr lang="en-US" altLang="zh-CN" sz="2400" dirty="0" smtClean="0"/>
+              <a:t>—</a:t>
+            </a:r>
+            <a:r>
+              <a:rPr lang="zh-CN" altLang="en-US" sz="2400" dirty="0" smtClean="0"/>
+              <a:t>堆外内存</a:t>
             </a:r>
             <a:endParaRPr lang="zh-CN" altLang="en-US" sz="2400" b="1" dirty="0"/>
           </a:p>

--- a/Week_01/作业03.pptx
+++ b/Week_01/作业03.pptx
@@ -246,7 +246,7 @@
           <a:p>
             <a:fld id="{A28FCDD6-6BCD-4B02-A3F2-308DC1062276}" type="datetimeFigureOut">
               <a:rPr lang="zh-CN" altLang="en-US" smtClean="0"/>
-              <a:t>2020/10/19</a:t>
+              <a:t>2020/10/20</a:t>
             </a:fld>
             <a:endParaRPr lang="zh-CN" altLang="en-US"/>
           </a:p>
@@ -416,7 +416,7 @@
           <a:p>
             <a:fld id="{A28FCDD6-6BCD-4B02-A3F2-308DC1062276}" type="datetimeFigureOut">
               <a:rPr lang="zh-CN" altLang="en-US" smtClean="0"/>
-              <a:t>2020/10/19</a:t>
+              <a:t>2020/10/20</a:t>
             </a:fld>
             <a:endParaRPr lang="zh-CN" altLang="en-US"/>
           </a:p>
@@ -596,7 +596,7 @@
           <a:p>
             <a:fld id="{A28FCDD6-6BCD-4B02-A3F2-308DC1062276}" type="datetimeFigureOut">
               <a:rPr lang="zh-CN" altLang="en-US" smtClean="0"/>
-              <a:t>2020/10/19</a:t>
+              <a:t>2020/10/20</a:t>
             </a:fld>
             <a:endParaRPr lang="zh-CN" altLang="en-US"/>
           </a:p>
@@ -766,7 +766,7 @@
           <a:p>
             <a:fld id="{A28FCDD6-6BCD-4B02-A3F2-308DC1062276}" type="datetimeFigureOut">
               <a:rPr lang="zh-CN" altLang="en-US" smtClean="0"/>
-              <a:t>2020/10/19</a:t>
+              <a:t>2020/10/20</a:t>
             </a:fld>
             <a:endParaRPr lang="zh-CN" altLang="en-US"/>
           </a:p>
@@ -1012,7 +1012,7 @@
           <a:p>
             <a:fld id="{A28FCDD6-6BCD-4B02-A3F2-308DC1062276}" type="datetimeFigureOut">
               <a:rPr lang="zh-CN" altLang="en-US" smtClean="0"/>
-              <a:t>2020/10/19</a:t>
+              <a:t>2020/10/20</a:t>
             </a:fld>
             <a:endParaRPr lang="zh-CN" altLang="en-US"/>
           </a:p>
@@ -1244,7 +1244,7 @@
           <a:p>
             <a:fld id="{A28FCDD6-6BCD-4B02-A3F2-308DC1062276}" type="datetimeFigureOut">
               <a:rPr lang="zh-CN" altLang="en-US" smtClean="0"/>
-              <a:t>2020/10/19</a:t>
+              <a:t>2020/10/20</a:t>
             </a:fld>
             <a:endParaRPr lang="zh-CN" altLang="en-US"/>
           </a:p>
@@ -1611,7 +1611,7 @@
           <a:p>
             <a:fld id="{A28FCDD6-6BCD-4B02-A3F2-308DC1062276}" type="datetimeFigureOut">
               <a:rPr lang="zh-CN" altLang="en-US" smtClean="0"/>
-              <a:t>2020/10/19</a:t>
+              <a:t>2020/10/20</a:t>
             </a:fld>
             <a:endParaRPr lang="zh-CN" altLang="en-US"/>
           </a:p>
@@ -1729,7 +1729,7 @@
           <a:p>
             <a:fld id="{A28FCDD6-6BCD-4B02-A3F2-308DC1062276}" type="datetimeFigureOut">
               <a:rPr lang="zh-CN" altLang="en-US" smtClean="0"/>
-              <a:t>2020/10/19</a:t>
+              <a:t>2020/10/20</a:t>
             </a:fld>
             <a:endParaRPr lang="zh-CN" altLang="en-US"/>
           </a:p>
@@ -1824,7 +1824,7 @@
           <a:p>
             <a:fld id="{A28FCDD6-6BCD-4B02-A3F2-308DC1062276}" type="datetimeFigureOut">
               <a:rPr lang="zh-CN" altLang="en-US" smtClean="0"/>
-              <a:t>2020/10/19</a:t>
+              <a:t>2020/10/20</a:t>
             </a:fld>
             <a:endParaRPr lang="zh-CN" altLang="en-US"/>
           </a:p>
@@ -2101,7 +2101,7 @@
           <a:p>
             <a:fld id="{A28FCDD6-6BCD-4B02-A3F2-308DC1062276}" type="datetimeFigureOut">
               <a:rPr lang="zh-CN" altLang="en-US" smtClean="0"/>
-              <a:t>2020/10/19</a:t>
+              <a:t>2020/10/20</a:t>
             </a:fld>
             <a:endParaRPr lang="zh-CN" altLang="en-US"/>
           </a:p>
@@ -2354,7 +2354,7 @@
           <a:p>
             <a:fld id="{A28FCDD6-6BCD-4B02-A3F2-308DC1062276}" type="datetimeFigureOut">
               <a:rPr lang="zh-CN" altLang="en-US" smtClean="0"/>
-              <a:t>2020/10/19</a:t>
+              <a:t>2020/10/20</a:t>
             </a:fld>
             <a:endParaRPr lang="zh-CN" altLang="en-US"/>
           </a:p>
@@ -2567,7 +2567,7 @@
           <a:p>
             <a:fld id="{A28FCDD6-6BCD-4B02-A3F2-308DC1062276}" type="datetimeFigureOut">
               <a:rPr lang="zh-CN" altLang="en-US" smtClean="0"/>
-              <a:t>2020/10/19</a:t>
+              <a:t>2020/10/20</a:t>
             </a:fld>
             <a:endParaRPr lang="zh-CN" altLang="en-US"/>
           </a:p>
@@ -3270,6 +3270,64 @@
           </a:p>
         </p:txBody>
       </p:sp>
+      <p:sp>
+        <p:nvSpPr>
+          <p:cNvPr id="3" name="标题 1"/>
+          <p:cNvSpPr txBox="1">
+            <a:spLocks/>
+          </p:cNvSpPr>
+          <p:nvPr/>
+        </p:nvSpPr>
+        <p:spPr>
+          <a:xfrm>
+            <a:off x="1524000" y="1801236"/>
+            <a:ext cx="9144000" cy="420110"/>
+          </a:xfrm>
+          <a:prstGeom prst="rect">
+            <a:avLst/>
+          </a:prstGeom>
+        </p:spPr>
+        <p:txBody>
+          <a:bodyPr vert="horz" lIns="91440" tIns="45720" rIns="91440" bIns="45720" rtlCol="0" anchor="b">
+            <a:normAutofit fontScale="97500"/>
+          </a:bodyPr>
+          <a:lstStyle>
+            <a:lvl1pPr algn="ctr" defTabSz="914400" rtl="0" eaLnBrk="1" latinLnBrk="0" hangingPunct="1">
+              <a:lnSpc>
+                <a:spcPct val="90000"/>
+              </a:lnSpc>
+              <a:spcBef>
+                <a:spcPct val="0"/>
+              </a:spcBef>
+              <a:buNone/>
+              <a:defRPr sz="6000" kern="1200">
+                <a:solidFill>
+                  <a:schemeClr val="tx1"/>
+                </a:solidFill>
+                <a:latin typeface="+mj-lt"/>
+                <a:ea typeface="+mj-ea"/>
+                <a:cs typeface="+mj-cs"/>
+              </a:defRPr>
+            </a:lvl1pPr>
+          </a:lstStyle>
+          <a:p>
+            <a:pPr algn="l"/>
+            <a:r>
+              <a:rPr lang="zh-CN" altLang="en-US" sz="2400" b="1" dirty="0" smtClean="0"/>
+              <a:t>设置时，加上</a:t>
+            </a:r>
+            <a:r>
+              <a:rPr lang="en-US" altLang="zh-CN" sz="2400" b="1" dirty="0" err="1" smtClean="0"/>
+              <a:t>Xmx</a:t>
+            </a:r>
+            <a:r>
+              <a:rPr lang="zh-CN" altLang="en-US" sz="2400" b="1" dirty="0" smtClean="0"/>
+              <a:t>需要小于机器实际总内存大小</a:t>
+            </a:r>
+            <a:endParaRPr lang="zh-CN" altLang="en-US" sz="2400" b="1" dirty="0"/>
+          </a:p>
+        </p:txBody>
+      </p:sp>
     </p:spTree>
     <p:extLst>
       <p:ext uri="{BB962C8B-B14F-4D97-AF65-F5344CB8AC3E}">
